--- a/presentation/Introduction_to_XML.pptx
+++ b/presentation/Introduction_to_XML.pptx
@@ -33556,7 +33556,7 @@
           <a:p>
             <a:r>
               <a:rPr lang="en-US" dirty="0"/>
-              <a:t>So what does this Really look like</a:t>
+              <a:t>So what does this look like</a:t>
             </a:r>
             <a:r>
               <a:rPr lang="is-IS" dirty="0"/>
@@ -34536,15 +34536,27 @@
           <a:p>
             <a:r>
               <a:rPr lang="en-US" dirty="0"/>
-              <a:t>What my </a:t>
+              <a:t>What my mark-up &lt;</a:t>
+            </a:r>
+            <a:r>
+              <a:rPr lang="en-US" dirty="0" err="1"/>
+              <a:t>emph</a:t>
+            </a:r>
+            <a:r>
+              <a:rPr lang="en-US" dirty="0"/>
+              <a:t>&gt;actually&lt;/</a:t>
+            </a:r>
+            <a:r>
+              <a:rPr lang="en-US" dirty="0" err="1"/>
+              <a:t>emph</a:t>
             </a:r>
             <a:r>
               <a:rPr lang="en-US"/>
-              <a:t>mark-up actually looks </a:t>
+              <a:t>&gt; </a:t>
             </a:r>
             <a:r>
               <a:rPr lang="en-US" dirty="0"/>
-              <a:t>like</a:t>
+              <a:t>looks like</a:t>
             </a:r>
           </a:p>
         </p:txBody>
